--- a/模板 素材.pptx
+++ b/模板 素材.pptx
@@ -15,6 +15,7 @@
     <p:sldId id="263" r:id="rId9"/>
     <p:sldId id="264" r:id="rId10"/>
     <p:sldId id="265" r:id="rId11"/>
+    <p:sldId id="266" r:id="rId12"/>
   </p:sldIdLst>
   <p:sldSz cx="12192000" cy="6858000"/>
   <p:notesSz cx="6858000" cy="9144000"/>
@@ -113,6 +114,11 @@
       </a:defRPr>
     </a:lvl9pPr>
   </p:defaultTextStyle>
+  <p:extLst>
+    <p:ext uri="{EFAFB233-063F-42B5-8137-9DF3F51BA10A}">
+      <p15:sldGuideLst xmlns:p15="http://schemas.microsoft.com/office/powerpoint/2012/main"/>
+    </p:ext>
+  </p:extLst>
 </p:presentation>
 </file>
 
@@ -249,7 +255,7 @@
           <a:p>
             <a:fld id="{2D8B0C52-EBB6-46A0-9812-57B7C3706ECB}" type="datetimeFigureOut">
               <a:rPr lang="zh-CN" altLang="en-US" smtClean="0"/>
-              <a:t>2017/6/1</a:t>
+              <a:t>2017/6/2</a:t>
             </a:fld>
             <a:endParaRPr lang="zh-CN" altLang="en-US"/>
           </a:p>
@@ -417,7 +423,7 @@
           <a:p>
             <a:fld id="{2D8B0C52-EBB6-46A0-9812-57B7C3706ECB}" type="datetimeFigureOut">
               <a:rPr lang="zh-CN" altLang="en-US" smtClean="0"/>
-              <a:t>2017/6/1</a:t>
+              <a:t>2017/6/2</a:t>
             </a:fld>
             <a:endParaRPr lang="zh-CN" altLang="en-US"/>
           </a:p>
@@ -595,7 +601,7 @@
           <a:p>
             <a:fld id="{2D8B0C52-EBB6-46A0-9812-57B7C3706ECB}" type="datetimeFigureOut">
               <a:rPr lang="zh-CN" altLang="en-US" smtClean="0"/>
-              <a:t>2017/6/1</a:t>
+              <a:t>2017/6/2</a:t>
             </a:fld>
             <a:endParaRPr lang="zh-CN" altLang="en-US"/>
           </a:p>
@@ -4042,7 +4048,7 @@
           <a:p>
             <a:fld id="{2D8B0C52-EBB6-46A0-9812-57B7C3706ECB}" type="datetimeFigureOut">
               <a:rPr lang="zh-CN" altLang="en-US" smtClean="0"/>
-              <a:t>2017/6/1</a:t>
+              <a:t>2017/6/2</a:t>
             </a:fld>
             <a:endParaRPr lang="zh-CN" altLang="en-US"/>
           </a:p>
@@ -4287,7 +4293,7 @@
           <a:p>
             <a:fld id="{2D8B0C52-EBB6-46A0-9812-57B7C3706ECB}" type="datetimeFigureOut">
               <a:rPr lang="zh-CN" altLang="en-US" smtClean="0"/>
-              <a:t>2017/6/1</a:t>
+              <a:t>2017/6/2</a:t>
             </a:fld>
             <a:endParaRPr lang="zh-CN" altLang="en-US"/>
           </a:p>
@@ -4516,7 +4522,7 @@
           <a:p>
             <a:fld id="{2D8B0C52-EBB6-46A0-9812-57B7C3706ECB}" type="datetimeFigureOut">
               <a:rPr lang="zh-CN" altLang="en-US" smtClean="0"/>
-              <a:t>2017/6/1</a:t>
+              <a:t>2017/6/2</a:t>
             </a:fld>
             <a:endParaRPr lang="zh-CN" altLang="en-US"/>
           </a:p>
@@ -4880,7 +4886,7 @@
           <a:p>
             <a:fld id="{2D8B0C52-EBB6-46A0-9812-57B7C3706ECB}" type="datetimeFigureOut">
               <a:rPr lang="zh-CN" altLang="en-US" smtClean="0"/>
-              <a:t>2017/6/1</a:t>
+              <a:t>2017/6/2</a:t>
             </a:fld>
             <a:endParaRPr lang="zh-CN" altLang="en-US"/>
           </a:p>
@@ -4997,7 +5003,7 @@
           <a:p>
             <a:fld id="{2D8B0C52-EBB6-46A0-9812-57B7C3706ECB}" type="datetimeFigureOut">
               <a:rPr lang="zh-CN" altLang="en-US" smtClean="0"/>
-              <a:t>2017/6/1</a:t>
+              <a:t>2017/6/2</a:t>
             </a:fld>
             <a:endParaRPr lang="zh-CN" altLang="en-US"/>
           </a:p>
@@ -5092,7 +5098,7 @@
           <a:p>
             <a:fld id="{2D8B0C52-EBB6-46A0-9812-57B7C3706ECB}" type="datetimeFigureOut">
               <a:rPr lang="zh-CN" altLang="en-US" smtClean="0"/>
-              <a:t>2017/6/1</a:t>
+              <a:t>2017/6/2</a:t>
             </a:fld>
             <a:endParaRPr lang="zh-CN" altLang="en-US"/>
           </a:p>
@@ -5367,7 +5373,7 @@
           <a:p>
             <a:fld id="{2D8B0C52-EBB6-46A0-9812-57B7C3706ECB}" type="datetimeFigureOut">
               <a:rPr lang="zh-CN" altLang="en-US" smtClean="0"/>
-              <a:t>2017/6/1</a:t>
+              <a:t>2017/6/2</a:t>
             </a:fld>
             <a:endParaRPr lang="zh-CN" altLang="en-US"/>
           </a:p>
@@ -5619,7 +5625,7 @@
           <a:p>
             <a:fld id="{2D8B0C52-EBB6-46A0-9812-57B7C3706ECB}" type="datetimeFigureOut">
               <a:rPr lang="zh-CN" altLang="en-US" smtClean="0"/>
-              <a:t>2017/6/1</a:t>
+              <a:t>2017/6/2</a:t>
             </a:fld>
             <a:endParaRPr lang="zh-CN" altLang="en-US"/>
           </a:p>
@@ -5830,7 +5836,7 @@
           <a:p>
             <a:fld id="{2D8B0C52-EBB6-46A0-9812-57B7C3706ECB}" type="datetimeFigureOut">
               <a:rPr lang="zh-CN" altLang="en-US" smtClean="0"/>
-              <a:t>2017/6/1</a:t>
+              <a:t>2017/6/2</a:t>
             </a:fld>
             <a:endParaRPr lang="zh-CN" altLang="en-US"/>
           </a:p>
@@ -7719,6 +7725,1445 @@
     <p:extLst>
       <p:ext uri="{BB962C8B-B14F-4D97-AF65-F5344CB8AC3E}">
         <p14:creationId xmlns:p14="http://schemas.microsoft.com/office/powerpoint/2010/main" val="2432206644"/>
+      </p:ext>
+    </p:extLst>
+  </p:cSld>
+  <p:clrMapOvr>
+    <a:masterClrMapping/>
+  </p:clrMapOvr>
+</p:sld>
+</file>
+
+<file path=ppt/slides/slide11.xml><?xml version="1.0" encoding="utf-8"?>
+<p:sld xmlns:a="http://schemas.openxmlformats.org/drawingml/2006/main" xmlns:r="http://schemas.openxmlformats.org/officeDocument/2006/relationships" xmlns:p="http://schemas.openxmlformats.org/presentationml/2006/main">
+  <p:cSld>
+    <p:spTree>
+      <p:nvGrpSpPr>
+        <p:cNvPr id="1" name=""/>
+        <p:cNvGrpSpPr/>
+        <p:nvPr/>
+      </p:nvGrpSpPr>
+      <p:grpSpPr>
+        <a:xfrm>
+          <a:off x="0" y="0"/>
+          <a:ext cx="0" cy="0"/>
+          <a:chOff x="0" y="0"/>
+          <a:chExt cx="0" cy="0"/>
+        </a:xfrm>
+      </p:grpSpPr>
+      <p:sp>
+        <p:nvSpPr>
+          <p:cNvPr id="2" name="文本占位符 1"/>
+          <p:cNvSpPr>
+            <a:spLocks noGrp="1"/>
+          </p:cNvSpPr>
+          <p:nvPr>
+            <p:ph type="body" sz="quarter" idx="10"/>
+          </p:nvPr>
+        </p:nvSpPr>
+        <p:spPr>
+          <a:xfrm>
+            <a:off x="3805632" y="379640"/>
+            <a:ext cx="4278825" cy="362404"/>
+          </a:xfrm>
+        </p:spPr>
+        <p:txBody>
+          <a:bodyPr>
+            <a:normAutofit fontScale="92500" lnSpcReduction="10000"/>
+          </a:bodyPr>
+          <a:lstStyle/>
+          <a:p>
+            <a:r>
+              <a:rPr kumimoji="1" lang="zh-CN" altLang="en-US" dirty="0">
+                <a:latin typeface="Century Gothic"/>
+              </a:rPr>
+              <a:t>点击此处添加标题</a:t>
+            </a:r>
+            <a:r>
+              <a:rPr kumimoji="1" lang="en-US" altLang="zh-CN" dirty="0">
+                <a:latin typeface="Century Gothic"/>
+              </a:rPr>
+              <a:t>  TITLE</a:t>
+            </a:r>
+            <a:r>
+              <a:rPr kumimoji="1" lang="zh-CN" altLang="en-US" dirty="0">
+                <a:latin typeface="Century Gothic"/>
+              </a:rPr>
+              <a:t> </a:t>
+            </a:r>
+            <a:r>
+              <a:rPr kumimoji="1" lang="en-US" altLang="zh-CN" dirty="0">
+                <a:latin typeface="Century Gothic"/>
+              </a:rPr>
+              <a:t>HERE</a:t>
+            </a:r>
+          </a:p>
+        </p:txBody>
+      </p:sp>
+      <p:sp>
+        <p:nvSpPr>
+          <p:cNvPr id="3" name="矩形 2"/>
+          <p:cNvSpPr/>
+          <p:nvPr/>
+        </p:nvSpPr>
+        <p:spPr>
+          <a:xfrm>
+            <a:off x="4191000" y="1787270"/>
+            <a:ext cx="3124200" cy="4000500"/>
+          </a:xfrm>
+          <a:prstGeom prst="rect">
+            <a:avLst/>
+          </a:prstGeom>
+          <a:solidFill>
+            <a:srgbClr val="AC6672"/>
+          </a:solidFill>
+          <a:ln>
+            <a:noFill/>
+          </a:ln>
+        </p:spPr>
+        <p:style>
+          <a:lnRef idx="2">
+            <a:schemeClr val="accent1">
+              <a:shade val="50000"/>
+            </a:schemeClr>
+          </a:lnRef>
+          <a:fillRef idx="1">
+            <a:schemeClr val="accent1"/>
+          </a:fillRef>
+          <a:effectRef idx="0">
+            <a:schemeClr val="accent1"/>
+          </a:effectRef>
+          <a:fontRef idx="minor">
+            <a:schemeClr val="lt1"/>
+          </a:fontRef>
+        </p:style>
+        <p:txBody>
+          <a:bodyPr rtlCol="0" anchor="ctr"/>
+          <a:lstStyle/>
+          <a:p>
+            <a:pPr algn="ctr"/>
+            <a:endParaRPr lang="zh-CN" altLang="en-US"/>
+          </a:p>
+        </p:txBody>
+      </p:sp>
+      <p:pic>
+        <p:nvPicPr>
+          <p:cNvPr id="4" name="图片 3"/>
+          <p:cNvPicPr>
+            <a:picLocks noChangeAspect="1"/>
+          </p:cNvPicPr>
+          <p:nvPr/>
+        </p:nvPicPr>
+        <p:blipFill rotWithShape="1">
+          <a:blip r:embed="rId2"/>
+          <a:srcRect b="4321"/>
+          <a:stretch/>
+        </p:blipFill>
+        <p:spPr>
+          <a:xfrm>
+            <a:off x="4423372" y="2010124"/>
+            <a:ext cx="3150388" cy="4024433"/>
+          </a:xfrm>
+          <a:prstGeom prst="rect">
+            <a:avLst/>
+          </a:prstGeom>
+        </p:spPr>
+      </p:pic>
+      <p:sp>
+        <p:nvSpPr>
+          <p:cNvPr id="5" name="矩形 4"/>
+          <p:cNvSpPr/>
+          <p:nvPr/>
+        </p:nvSpPr>
+        <p:spPr>
+          <a:xfrm>
+            <a:off x="4681932" y="2256911"/>
+            <a:ext cx="3124200" cy="4000500"/>
+          </a:xfrm>
+          <a:prstGeom prst="rect">
+            <a:avLst/>
+          </a:prstGeom>
+          <a:noFill/>
+          <a:ln>
+            <a:solidFill>
+              <a:srgbClr val="AC6672"/>
+            </a:solidFill>
+          </a:ln>
+        </p:spPr>
+        <p:style>
+          <a:lnRef idx="2">
+            <a:schemeClr val="accent1">
+              <a:shade val="50000"/>
+            </a:schemeClr>
+          </a:lnRef>
+          <a:fillRef idx="1">
+            <a:schemeClr val="accent1"/>
+          </a:fillRef>
+          <a:effectRef idx="0">
+            <a:schemeClr val="accent1"/>
+          </a:effectRef>
+          <a:fontRef idx="minor">
+            <a:schemeClr val="lt1"/>
+          </a:fontRef>
+        </p:style>
+        <p:txBody>
+          <a:bodyPr rtlCol="0" anchor="ctr"/>
+          <a:lstStyle/>
+          <a:p>
+            <a:pPr algn="ctr"/>
+            <a:endParaRPr lang="zh-CN" altLang="en-US"/>
+          </a:p>
+        </p:txBody>
+      </p:sp>
+      <p:cxnSp>
+        <p:nvCxnSpPr>
+          <p:cNvPr id="6" name="直接连接符 5"/>
+          <p:cNvCxnSpPr/>
+          <p:nvPr/>
+        </p:nvCxnSpPr>
+        <p:spPr>
+          <a:xfrm>
+            <a:off x="3657600" y="1787270"/>
+            <a:ext cx="0" cy="1527430"/>
+          </a:xfrm>
+          <a:prstGeom prst="line">
+            <a:avLst/>
+          </a:prstGeom>
+          <a:ln w="12700">
+            <a:solidFill>
+              <a:srgbClr val="AC6672"/>
+            </a:solidFill>
+          </a:ln>
+        </p:spPr>
+        <p:style>
+          <a:lnRef idx="1">
+            <a:schemeClr val="accent1"/>
+          </a:lnRef>
+          <a:fillRef idx="0">
+            <a:schemeClr val="accent1"/>
+          </a:fillRef>
+          <a:effectRef idx="0">
+            <a:schemeClr val="accent1"/>
+          </a:effectRef>
+          <a:fontRef idx="minor">
+            <a:schemeClr val="tx1"/>
+          </a:fontRef>
+        </p:style>
+      </p:cxnSp>
+      <p:cxnSp>
+        <p:nvCxnSpPr>
+          <p:cNvPr id="7" name="直接连接符 6"/>
+          <p:cNvCxnSpPr/>
+          <p:nvPr/>
+        </p:nvCxnSpPr>
+        <p:spPr>
+          <a:xfrm>
+            <a:off x="8267700" y="4729981"/>
+            <a:ext cx="0" cy="1527430"/>
+          </a:xfrm>
+          <a:prstGeom prst="line">
+            <a:avLst/>
+          </a:prstGeom>
+          <a:ln w="12700">
+            <a:solidFill>
+              <a:srgbClr val="AC6672"/>
+            </a:solidFill>
+          </a:ln>
+        </p:spPr>
+        <p:style>
+          <a:lnRef idx="1">
+            <a:schemeClr val="accent1"/>
+          </a:lnRef>
+          <a:fillRef idx="0">
+            <a:schemeClr val="accent1"/>
+          </a:fillRef>
+          <a:effectRef idx="0">
+            <a:schemeClr val="accent1"/>
+          </a:effectRef>
+          <a:fontRef idx="minor">
+            <a:schemeClr val="tx1"/>
+          </a:fontRef>
+        </p:style>
+      </p:cxnSp>
+      <p:sp>
+        <p:nvSpPr>
+          <p:cNvPr id="8" name="矩形 7"/>
+          <p:cNvSpPr/>
+          <p:nvPr/>
+        </p:nvSpPr>
+        <p:spPr>
+          <a:xfrm>
+            <a:off x="851566" y="1787270"/>
+            <a:ext cx="2577435" cy="463904"/>
+          </a:xfrm>
+          <a:prstGeom prst="rect">
+            <a:avLst/>
+          </a:prstGeom>
+          <a:solidFill>
+            <a:srgbClr val="AC6672"/>
+          </a:solidFill>
+          <a:ln>
+            <a:noFill/>
+          </a:ln>
+        </p:spPr>
+        <p:style>
+          <a:lnRef idx="2">
+            <a:schemeClr val="accent1">
+              <a:shade val="50000"/>
+            </a:schemeClr>
+          </a:lnRef>
+          <a:fillRef idx="1">
+            <a:schemeClr val="accent1"/>
+          </a:fillRef>
+          <a:effectRef idx="0">
+            <a:schemeClr val="accent1"/>
+          </a:effectRef>
+          <a:fontRef idx="minor">
+            <a:schemeClr val="lt1"/>
+          </a:fontRef>
+        </p:style>
+        <p:txBody>
+          <a:bodyPr rtlCol="0" anchor="ctr"/>
+          <a:lstStyle/>
+          <a:p>
+            <a:pPr algn="ctr" defTabSz="685800"/>
+            <a:endParaRPr lang="zh-CN" altLang="en-US" sz="1350">
+              <a:solidFill>
+                <a:prstClr val="white"/>
+              </a:solidFill>
+            </a:endParaRPr>
+          </a:p>
+        </p:txBody>
+      </p:sp>
+      <p:sp>
+        <p:nvSpPr>
+          <p:cNvPr id="9" name="文本框 8"/>
+          <p:cNvSpPr txBox="1"/>
+          <p:nvPr/>
+        </p:nvSpPr>
+        <p:spPr>
+          <a:xfrm>
+            <a:off x="794347" y="2344981"/>
+            <a:ext cx="2691872" cy="1200329"/>
+          </a:xfrm>
+          <a:prstGeom prst="rect">
+            <a:avLst/>
+          </a:prstGeom>
+          <a:noFill/>
+        </p:spPr>
+        <p:txBody>
+          <a:bodyPr wrap="square" rtlCol="0">
+            <a:spAutoFit/>
+          </a:bodyPr>
+          <a:lstStyle/>
+          <a:p>
+            <a:pPr defTabSz="685800"/>
+            <a:r>
+              <a:rPr lang="zh-CN" altLang="en-US" sz="1200" dirty="0">
+                <a:latin typeface="微软雅黑" panose="020B0503020204020204" pitchFamily="34" charset="-122"/>
+                <a:ea typeface="微软雅黑" panose="020B0503020204020204" pitchFamily="34" charset="-122"/>
+              </a:rPr>
+              <a:t>标题数字等都可以通过点击和重新输入进行更改。标题数字等都可以通过点击和重新输入进行更改。标题数字等都可以通过点击和重新输入进行更改。标题数字等都可以通过点击和重新输入进行更改。</a:t>
+            </a:r>
+            <a:endParaRPr lang="en-US" altLang="zh-CN" sz="1200" dirty="0">
+              <a:latin typeface="微软雅黑" panose="020B0503020204020204" pitchFamily="34" charset="-122"/>
+              <a:ea typeface="微软雅黑" panose="020B0503020204020204" pitchFamily="34" charset="-122"/>
+            </a:endParaRPr>
+          </a:p>
+        </p:txBody>
+      </p:sp>
+      <p:sp>
+        <p:nvSpPr>
+          <p:cNvPr id="10" name="文本框 9"/>
+          <p:cNvSpPr txBox="1"/>
+          <p:nvPr/>
+        </p:nvSpPr>
+        <p:spPr>
+          <a:xfrm>
+            <a:off x="848253" y="1787270"/>
+            <a:ext cx="2809347" cy="523220"/>
+          </a:xfrm>
+          <a:prstGeom prst="rect">
+            <a:avLst/>
+          </a:prstGeom>
+          <a:noFill/>
+          <a:ln>
+            <a:noFill/>
+          </a:ln>
+        </p:spPr>
+        <p:txBody>
+          <a:bodyPr wrap="square" rtlCol="0">
+            <a:spAutoFit/>
+          </a:bodyPr>
+          <a:lstStyle/>
+          <a:p>
+            <a:pPr defTabSz="685800"/>
+            <a:r>
+              <a:rPr lang="en-US" altLang="zh-CN" sz="2800" dirty="0">
+                <a:solidFill>
+                  <a:prstClr val="white"/>
+                </a:solidFill>
+              </a:rPr>
+              <a:t>ADD YOUR TITLE</a:t>
+            </a:r>
+            <a:endParaRPr lang="zh-CN" altLang="en-US" sz="2800" dirty="0">
+              <a:solidFill>
+                <a:prstClr val="white"/>
+              </a:solidFill>
+            </a:endParaRPr>
+          </a:p>
+        </p:txBody>
+      </p:sp>
+      <p:grpSp>
+        <p:nvGrpSpPr>
+          <p:cNvPr id="11" name="组合 10"/>
+          <p:cNvGrpSpPr/>
+          <p:nvPr/>
+        </p:nvGrpSpPr>
+        <p:grpSpPr>
+          <a:xfrm>
+            <a:off x="885890" y="3770243"/>
+            <a:ext cx="2637966" cy="2017527"/>
+            <a:chOff x="885890" y="3770243"/>
+            <a:chExt cx="2637966" cy="2017527"/>
+          </a:xfrm>
+        </p:grpSpPr>
+        <p:sp>
+          <p:nvSpPr>
+            <p:cNvPr id="12" name="矩形 11"/>
+            <p:cNvSpPr/>
+            <p:nvPr/>
+          </p:nvSpPr>
+          <p:spPr>
+            <a:xfrm>
+              <a:off x="885890" y="3982313"/>
+              <a:ext cx="2637966" cy="1805457"/>
+            </a:xfrm>
+            <a:prstGeom prst="rect">
+              <a:avLst/>
+            </a:prstGeom>
+            <a:solidFill>
+              <a:srgbClr val="AC6672"/>
+            </a:solidFill>
+            <a:ln>
+              <a:noFill/>
+            </a:ln>
+          </p:spPr>
+          <p:style>
+            <a:lnRef idx="2">
+              <a:schemeClr val="accent1">
+                <a:shade val="50000"/>
+              </a:schemeClr>
+            </a:lnRef>
+            <a:fillRef idx="1">
+              <a:schemeClr val="accent1"/>
+            </a:fillRef>
+            <a:effectRef idx="0">
+              <a:schemeClr val="accent1"/>
+            </a:effectRef>
+            <a:fontRef idx="minor">
+              <a:schemeClr val="lt1"/>
+            </a:fontRef>
+          </p:style>
+          <p:txBody>
+            <a:bodyPr rtlCol="0" anchor="ctr"/>
+            <a:lstStyle/>
+            <a:p>
+              <a:pPr algn="ctr"/>
+              <a:endParaRPr lang="zh-CN" altLang="en-US"/>
+            </a:p>
+          </p:txBody>
+        </p:sp>
+        <p:sp>
+          <p:nvSpPr>
+            <p:cNvPr id="13" name="等腰三角形 12"/>
+            <p:cNvSpPr/>
+            <p:nvPr/>
+          </p:nvSpPr>
+          <p:spPr>
+            <a:xfrm>
+              <a:off x="1960493" y="3770243"/>
+              <a:ext cx="292433" cy="252097"/>
+            </a:xfrm>
+            <a:prstGeom prst="triangle">
+              <a:avLst/>
+            </a:prstGeom>
+            <a:solidFill>
+              <a:srgbClr val="AC6672"/>
+            </a:solidFill>
+            <a:ln>
+              <a:noFill/>
+            </a:ln>
+          </p:spPr>
+          <p:style>
+            <a:lnRef idx="2">
+              <a:schemeClr val="accent1">
+                <a:shade val="50000"/>
+              </a:schemeClr>
+            </a:lnRef>
+            <a:fillRef idx="1">
+              <a:schemeClr val="accent1"/>
+            </a:fillRef>
+            <a:effectRef idx="0">
+              <a:schemeClr val="accent1"/>
+            </a:effectRef>
+            <a:fontRef idx="minor">
+              <a:schemeClr val="lt1"/>
+            </a:fontRef>
+          </p:style>
+          <p:txBody>
+            <a:bodyPr rtlCol="0" anchor="ctr"/>
+            <a:lstStyle/>
+            <a:p>
+              <a:pPr algn="ctr"/>
+              <a:endParaRPr lang="zh-CN" altLang="en-US"/>
+            </a:p>
+          </p:txBody>
+        </p:sp>
+      </p:grpSp>
+      <p:sp>
+        <p:nvSpPr>
+          <p:cNvPr id="14" name="Freeform 91"/>
+          <p:cNvSpPr>
+            <a:spLocks noEditPoints="1"/>
+          </p:cNvSpPr>
+          <p:nvPr/>
+        </p:nvSpPr>
+        <p:spPr bwMode="auto">
+          <a:xfrm>
+            <a:off x="1730471" y="4152955"/>
+            <a:ext cx="752475" cy="612775"/>
+          </a:xfrm>
+          <a:custGeom>
+            <a:avLst/>
+            <a:gdLst/>
+            <a:ahLst/>
+            <a:cxnLst>
+              <a:cxn ang="0">
+                <a:pos x="386" y="0"/>
+              </a:cxn>
+              <a:cxn ang="0">
+                <a:pos x="356" y="6"/>
+              </a:cxn>
+              <a:cxn ang="0">
+                <a:pos x="334" y="22"/>
+              </a:cxn>
+              <a:cxn ang="0">
+                <a:pos x="318" y="46"/>
+              </a:cxn>
+              <a:cxn ang="0">
+                <a:pos x="312" y="74"/>
+              </a:cxn>
+              <a:cxn ang="0">
+                <a:pos x="314" y="90"/>
+              </a:cxn>
+              <a:cxn ang="0">
+                <a:pos x="386" y="238"/>
+              </a:cxn>
+              <a:cxn ang="0">
+                <a:pos x="452" y="106"/>
+              </a:cxn>
+              <a:cxn ang="0">
+                <a:pos x="460" y="74"/>
+              </a:cxn>
+              <a:cxn ang="0">
+                <a:pos x="458" y="60"/>
+              </a:cxn>
+              <a:cxn ang="0">
+                <a:pos x="448" y="32"/>
+              </a:cxn>
+              <a:cxn ang="0">
+                <a:pos x="428" y="12"/>
+              </a:cxn>
+              <a:cxn ang="0">
+                <a:pos x="400" y="2"/>
+              </a:cxn>
+              <a:cxn ang="0">
+                <a:pos x="386" y="0"/>
+              </a:cxn>
+              <a:cxn ang="0">
+                <a:pos x="386" y="118"/>
+              </a:cxn>
+              <a:cxn ang="0">
+                <a:pos x="368" y="116"/>
+              </a:cxn>
+              <a:cxn ang="0">
+                <a:pos x="354" y="106"/>
+              </a:cxn>
+              <a:cxn ang="0">
+                <a:pos x="344" y="92"/>
+              </a:cxn>
+              <a:cxn ang="0">
+                <a:pos x="340" y="74"/>
+              </a:cxn>
+              <a:cxn ang="0">
+                <a:pos x="342" y="66"/>
+              </a:cxn>
+              <a:cxn ang="0">
+                <a:pos x="348" y="50"/>
+              </a:cxn>
+              <a:cxn ang="0">
+                <a:pos x="360" y="38"/>
+              </a:cxn>
+              <a:cxn ang="0">
+                <a:pos x="376" y="30"/>
+              </a:cxn>
+              <a:cxn ang="0">
+                <a:pos x="386" y="30"/>
+              </a:cxn>
+              <a:cxn ang="0">
+                <a:pos x="402" y="34"/>
+              </a:cxn>
+              <a:cxn ang="0">
+                <a:pos x="418" y="42"/>
+              </a:cxn>
+              <a:cxn ang="0">
+                <a:pos x="426" y="56"/>
+              </a:cxn>
+              <a:cxn ang="0">
+                <a:pos x="430" y="74"/>
+              </a:cxn>
+              <a:cxn ang="0">
+                <a:pos x="430" y="84"/>
+              </a:cxn>
+              <a:cxn ang="0">
+                <a:pos x="422" y="100"/>
+              </a:cxn>
+              <a:cxn ang="0">
+                <a:pos x="410" y="112"/>
+              </a:cxn>
+              <a:cxn ang="0">
+                <a:pos x="394" y="118"/>
+              </a:cxn>
+              <a:cxn ang="0">
+                <a:pos x="386" y="118"/>
+              </a:cxn>
+              <a:cxn ang="0">
+                <a:pos x="434" y="314"/>
+              </a:cxn>
+              <a:cxn ang="0">
+                <a:pos x="344" y="232"/>
+              </a:cxn>
+              <a:cxn ang="0">
+                <a:pos x="348" y="228"/>
+              </a:cxn>
+              <a:cxn ang="0">
+                <a:pos x="326" y="208"/>
+              </a:cxn>
+              <a:cxn ang="0">
+                <a:pos x="148" y="208"/>
+              </a:cxn>
+              <a:cxn ang="0">
+                <a:pos x="0" y="326"/>
+              </a:cxn>
+              <a:cxn ang="0">
+                <a:pos x="238" y="326"/>
+              </a:cxn>
+              <a:cxn ang="0">
+                <a:pos x="474" y="326"/>
+              </a:cxn>
+              <a:cxn ang="0">
+                <a:pos x="408" y="260"/>
+              </a:cxn>
+              <a:cxn ang="0">
+                <a:pos x="40" y="314"/>
+              </a:cxn>
+              <a:cxn ang="0">
+                <a:pos x="126" y="228"/>
+              </a:cxn>
+              <a:cxn ang="0">
+                <a:pos x="108" y="348"/>
+              </a:cxn>
+              <a:cxn ang="0">
+                <a:pos x="140" y="342"/>
+              </a:cxn>
+              <a:cxn ang="0">
+                <a:pos x="164" y="232"/>
+              </a:cxn>
+              <a:cxn ang="0">
+                <a:pos x="222" y="300"/>
+              </a:cxn>
+              <a:cxn ang="0">
+                <a:pos x="252" y="194"/>
+              </a:cxn>
+              <a:cxn ang="0">
+                <a:pos x="314" y="236"/>
+              </a:cxn>
+              <a:cxn ang="0">
+                <a:pos x="252" y="300"/>
+              </a:cxn>
+            </a:cxnLst>
+            <a:rect l="0" t="0" r="r" b="b"/>
+            <a:pathLst>
+              <a:path w="474" h="386">
+                <a:moveTo>
+                  <a:pt x="386" y="0"/>
+                </a:moveTo>
+                <a:lnTo>
+                  <a:pt x="386" y="0"/>
+                </a:lnTo>
+                <a:lnTo>
+                  <a:pt x="370" y="2"/>
+                </a:lnTo>
+                <a:lnTo>
+                  <a:pt x="356" y="6"/>
+                </a:lnTo>
+                <a:lnTo>
+                  <a:pt x="344" y="12"/>
+                </a:lnTo>
+                <a:lnTo>
+                  <a:pt x="334" y="22"/>
+                </a:lnTo>
+                <a:lnTo>
+                  <a:pt x="324" y="32"/>
+                </a:lnTo>
+                <a:lnTo>
+                  <a:pt x="318" y="46"/>
+                </a:lnTo>
+                <a:lnTo>
+                  <a:pt x="312" y="60"/>
+                </a:lnTo>
+                <a:lnTo>
+                  <a:pt x="312" y="74"/>
+                </a:lnTo>
+                <a:lnTo>
+                  <a:pt x="312" y="74"/>
+                </a:lnTo>
+                <a:lnTo>
+                  <a:pt x="314" y="90"/>
+                </a:lnTo>
+                <a:lnTo>
+                  <a:pt x="318" y="106"/>
+                </a:lnTo>
+                <a:lnTo>
+                  <a:pt x="386" y="238"/>
+                </a:lnTo>
+                <a:lnTo>
+                  <a:pt x="452" y="106"/>
+                </a:lnTo>
+                <a:lnTo>
+                  <a:pt x="452" y="106"/>
+                </a:lnTo>
+                <a:lnTo>
+                  <a:pt x="458" y="90"/>
+                </a:lnTo>
+                <a:lnTo>
+                  <a:pt x="460" y="74"/>
+                </a:lnTo>
+                <a:lnTo>
+                  <a:pt x="460" y="74"/>
+                </a:lnTo>
+                <a:lnTo>
+                  <a:pt x="458" y="60"/>
+                </a:lnTo>
+                <a:lnTo>
+                  <a:pt x="454" y="46"/>
+                </a:lnTo>
+                <a:lnTo>
+                  <a:pt x="448" y="32"/>
+                </a:lnTo>
+                <a:lnTo>
+                  <a:pt x="438" y="22"/>
+                </a:lnTo>
+                <a:lnTo>
+                  <a:pt x="428" y="12"/>
+                </a:lnTo>
+                <a:lnTo>
+                  <a:pt x="414" y="6"/>
+                </a:lnTo>
+                <a:lnTo>
+                  <a:pt x="400" y="2"/>
+                </a:lnTo>
+                <a:lnTo>
+                  <a:pt x="386" y="0"/>
+                </a:lnTo>
+                <a:lnTo>
+                  <a:pt x="386" y="0"/>
+                </a:lnTo>
+                <a:close/>
+                <a:moveTo>
+                  <a:pt x="386" y="118"/>
+                </a:moveTo>
+                <a:lnTo>
+                  <a:pt x="386" y="118"/>
+                </a:lnTo>
+                <a:lnTo>
+                  <a:pt x="376" y="118"/>
+                </a:lnTo>
+                <a:lnTo>
+                  <a:pt x="368" y="116"/>
+                </a:lnTo>
+                <a:lnTo>
+                  <a:pt x="360" y="112"/>
+                </a:lnTo>
+                <a:lnTo>
+                  <a:pt x="354" y="106"/>
+                </a:lnTo>
+                <a:lnTo>
+                  <a:pt x="348" y="100"/>
+                </a:lnTo>
+                <a:lnTo>
+                  <a:pt x="344" y="92"/>
+                </a:lnTo>
+                <a:lnTo>
+                  <a:pt x="342" y="84"/>
+                </a:lnTo>
+                <a:lnTo>
+                  <a:pt x="340" y="74"/>
+                </a:lnTo>
+                <a:lnTo>
+                  <a:pt x="340" y="74"/>
+                </a:lnTo>
+                <a:lnTo>
+                  <a:pt x="342" y="66"/>
+                </a:lnTo>
+                <a:lnTo>
+                  <a:pt x="344" y="56"/>
+                </a:lnTo>
+                <a:lnTo>
+                  <a:pt x="348" y="50"/>
+                </a:lnTo>
+                <a:lnTo>
+                  <a:pt x="354" y="42"/>
+                </a:lnTo>
+                <a:lnTo>
+                  <a:pt x="360" y="38"/>
+                </a:lnTo>
+                <a:lnTo>
+                  <a:pt x="368" y="34"/>
+                </a:lnTo>
+                <a:lnTo>
+                  <a:pt x="376" y="30"/>
+                </a:lnTo>
+                <a:lnTo>
+                  <a:pt x="386" y="30"/>
+                </a:lnTo>
+                <a:lnTo>
+                  <a:pt x="386" y="30"/>
+                </a:lnTo>
+                <a:lnTo>
+                  <a:pt x="394" y="30"/>
+                </a:lnTo>
+                <a:lnTo>
+                  <a:pt x="402" y="34"/>
+                </a:lnTo>
+                <a:lnTo>
+                  <a:pt x="410" y="38"/>
+                </a:lnTo>
+                <a:lnTo>
+                  <a:pt x="418" y="42"/>
+                </a:lnTo>
+                <a:lnTo>
+                  <a:pt x="422" y="50"/>
+                </a:lnTo>
+                <a:lnTo>
+                  <a:pt x="426" y="56"/>
+                </a:lnTo>
+                <a:lnTo>
+                  <a:pt x="430" y="66"/>
+                </a:lnTo>
+                <a:lnTo>
+                  <a:pt x="430" y="74"/>
+                </a:lnTo>
+                <a:lnTo>
+                  <a:pt x="430" y="74"/>
+                </a:lnTo>
+                <a:lnTo>
+                  <a:pt x="430" y="84"/>
+                </a:lnTo>
+                <a:lnTo>
+                  <a:pt x="426" y="92"/>
+                </a:lnTo>
+                <a:lnTo>
+                  <a:pt x="422" y="100"/>
+                </a:lnTo>
+                <a:lnTo>
+                  <a:pt x="418" y="106"/>
+                </a:lnTo>
+                <a:lnTo>
+                  <a:pt x="410" y="112"/>
+                </a:lnTo>
+                <a:lnTo>
+                  <a:pt x="402" y="116"/>
+                </a:lnTo>
+                <a:lnTo>
+                  <a:pt x="394" y="118"/>
+                </a:lnTo>
+                <a:lnTo>
+                  <a:pt x="386" y="118"/>
+                </a:lnTo>
+                <a:lnTo>
+                  <a:pt x="386" y="118"/>
+                </a:lnTo>
+                <a:close/>
+                <a:moveTo>
+                  <a:pt x="408" y="260"/>
+                </a:moveTo>
+                <a:lnTo>
+                  <a:pt x="434" y="314"/>
+                </a:lnTo>
+                <a:lnTo>
+                  <a:pt x="366" y="348"/>
+                </a:lnTo>
+                <a:lnTo>
+                  <a:pt x="344" y="232"/>
+                </a:lnTo>
+                <a:lnTo>
+                  <a:pt x="348" y="228"/>
+                </a:lnTo>
+                <a:lnTo>
+                  <a:pt x="348" y="228"/>
+                </a:lnTo>
+                <a:lnTo>
+                  <a:pt x="334" y="200"/>
+                </a:lnTo>
+                <a:lnTo>
+                  <a:pt x="326" y="208"/>
+                </a:lnTo>
+                <a:lnTo>
+                  <a:pt x="238" y="148"/>
+                </a:lnTo>
+                <a:lnTo>
+                  <a:pt x="148" y="208"/>
+                </a:lnTo>
+                <a:lnTo>
+                  <a:pt x="88" y="148"/>
+                </a:lnTo>
+                <a:lnTo>
+                  <a:pt x="0" y="326"/>
+                </a:lnTo>
+                <a:lnTo>
+                  <a:pt x="118" y="386"/>
+                </a:lnTo>
+                <a:lnTo>
+                  <a:pt x="238" y="326"/>
+                </a:lnTo>
+                <a:lnTo>
+                  <a:pt x="356" y="386"/>
+                </a:lnTo>
+                <a:lnTo>
+                  <a:pt x="474" y="326"/>
+                </a:lnTo>
+                <a:lnTo>
+                  <a:pt x="424" y="226"/>
+                </a:lnTo>
+                <a:lnTo>
+                  <a:pt x="408" y="260"/>
+                </a:lnTo>
+                <a:close/>
+                <a:moveTo>
+                  <a:pt x="108" y="348"/>
+                </a:moveTo>
+                <a:lnTo>
+                  <a:pt x="40" y="314"/>
+                </a:lnTo>
+                <a:lnTo>
+                  <a:pt x="96" y="198"/>
+                </a:lnTo>
+                <a:lnTo>
+                  <a:pt x="126" y="228"/>
+                </a:lnTo>
+                <a:lnTo>
+                  <a:pt x="130" y="232"/>
+                </a:lnTo>
+                <a:lnTo>
+                  <a:pt x="108" y="348"/>
+                </a:lnTo>
+                <a:close/>
+                <a:moveTo>
+                  <a:pt x="222" y="300"/>
+                </a:moveTo>
+                <a:lnTo>
+                  <a:pt x="140" y="342"/>
+                </a:lnTo>
+                <a:lnTo>
+                  <a:pt x="160" y="236"/>
+                </a:lnTo>
+                <a:lnTo>
+                  <a:pt x="164" y="232"/>
+                </a:lnTo>
+                <a:lnTo>
+                  <a:pt x="222" y="194"/>
+                </a:lnTo>
+                <a:lnTo>
+                  <a:pt x="222" y="300"/>
+                </a:lnTo>
+                <a:close/>
+                <a:moveTo>
+                  <a:pt x="252" y="300"/>
+                </a:moveTo>
+                <a:lnTo>
+                  <a:pt x="252" y="194"/>
+                </a:lnTo>
+                <a:lnTo>
+                  <a:pt x="310" y="232"/>
+                </a:lnTo>
+                <a:lnTo>
+                  <a:pt x="314" y="236"/>
+                </a:lnTo>
+                <a:lnTo>
+                  <a:pt x="334" y="342"/>
+                </a:lnTo>
+                <a:lnTo>
+                  <a:pt x="252" y="300"/>
+                </a:lnTo>
+                <a:close/>
+              </a:path>
+            </a:pathLst>
+          </a:custGeom>
+          <a:solidFill>
+            <a:schemeClr val="bg1"/>
+          </a:solidFill>
+          <a:ln w="9525">
+            <a:noFill/>
+            <a:round/>
+            <a:headEnd/>
+            <a:tailEnd/>
+          </a:ln>
+        </p:spPr>
+        <p:txBody>
+          <a:bodyPr vert="horz" wrap="square" lIns="91440" tIns="45720" rIns="91440" bIns="45720" numCol="1" anchor="t" anchorCtr="0" compatLnSpc="1">
+            <a:prstTxWarp prst="textNoShape">
+              <a:avLst/>
+            </a:prstTxWarp>
+          </a:bodyPr>
+          <a:lstStyle/>
+          <a:p>
+            <a:endParaRPr lang="zh-CN" altLang="en-US"/>
+          </a:p>
+        </p:txBody>
+      </p:sp>
+      <p:sp>
+        <p:nvSpPr>
+          <p:cNvPr id="15" name="文本框 14"/>
+          <p:cNvSpPr txBox="1"/>
+          <p:nvPr/>
+        </p:nvSpPr>
+        <p:spPr>
+          <a:xfrm>
+            <a:off x="1476375" y="4770833"/>
+            <a:ext cx="1571625" cy="923330"/>
+          </a:xfrm>
+          <a:prstGeom prst="rect">
+            <a:avLst/>
+          </a:prstGeom>
+          <a:noFill/>
+        </p:spPr>
+        <p:txBody>
+          <a:bodyPr wrap="square" rtlCol="0">
+            <a:spAutoFit/>
+          </a:bodyPr>
+          <a:lstStyle/>
+          <a:p>
+            <a:r>
+              <a:rPr lang="en-US" altLang="zh-CN" sz="5400" dirty="0">
+                <a:solidFill>
+                  <a:schemeClr val="bg1"/>
+                </a:solidFill>
+              </a:rPr>
+              <a:t>56%</a:t>
+            </a:r>
+            <a:endParaRPr lang="zh-CN" altLang="en-US" sz="5400" dirty="0">
+              <a:solidFill>
+                <a:schemeClr val="bg1"/>
+              </a:solidFill>
+            </a:endParaRPr>
+          </a:p>
+        </p:txBody>
+      </p:sp>
+      <p:grpSp>
+        <p:nvGrpSpPr>
+          <p:cNvPr id="16" name="组合 15"/>
+          <p:cNvGrpSpPr/>
+          <p:nvPr/>
+        </p:nvGrpSpPr>
+        <p:grpSpPr>
+          <a:xfrm rot="10800000">
+            <a:off x="8705850" y="1752716"/>
+            <a:ext cx="2637966" cy="2017527"/>
+            <a:chOff x="885890" y="3770243"/>
+            <a:chExt cx="2637966" cy="2017527"/>
+          </a:xfrm>
+        </p:grpSpPr>
+        <p:sp>
+          <p:nvSpPr>
+            <p:cNvPr id="17" name="矩形 16"/>
+            <p:cNvSpPr/>
+            <p:nvPr/>
+          </p:nvSpPr>
+          <p:spPr>
+            <a:xfrm>
+              <a:off x="885890" y="3982313"/>
+              <a:ext cx="2637966" cy="1805457"/>
+            </a:xfrm>
+            <a:prstGeom prst="rect">
+              <a:avLst/>
+            </a:prstGeom>
+            <a:solidFill>
+              <a:srgbClr val="AC6672"/>
+            </a:solidFill>
+            <a:ln>
+              <a:noFill/>
+            </a:ln>
+          </p:spPr>
+          <p:style>
+            <a:lnRef idx="2">
+              <a:schemeClr val="accent1">
+                <a:shade val="50000"/>
+              </a:schemeClr>
+            </a:lnRef>
+            <a:fillRef idx="1">
+              <a:schemeClr val="accent1"/>
+            </a:fillRef>
+            <a:effectRef idx="0">
+              <a:schemeClr val="accent1"/>
+            </a:effectRef>
+            <a:fontRef idx="minor">
+              <a:schemeClr val="lt1"/>
+            </a:fontRef>
+          </p:style>
+          <p:txBody>
+            <a:bodyPr rtlCol="0" anchor="ctr"/>
+            <a:lstStyle/>
+            <a:p>
+              <a:pPr algn="ctr"/>
+              <a:endParaRPr lang="zh-CN" altLang="en-US"/>
+            </a:p>
+          </p:txBody>
+        </p:sp>
+        <p:sp>
+          <p:nvSpPr>
+            <p:cNvPr id="18" name="等腰三角形 17"/>
+            <p:cNvSpPr/>
+            <p:nvPr/>
+          </p:nvSpPr>
+          <p:spPr>
+            <a:xfrm>
+              <a:off x="1960493" y="3770243"/>
+              <a:ext cx="292433" cy="252097"/>
+            </a:xfrm>
+            <a:prstGeom prst="triangle">
+              <a:avLst/>
+            </a:prstGeom>
+            <a:solidFill>
+              <a:srgbClr val="AC6672"/>
+            </a:solidFill>
+            <a:ln>
+              <a:noFill/>
+            </a:ln>
+          </p:spPr>
+          <p:style>
+            <a:lnRef idx="2">
+              <a:schemeClr val="accent1">
+                <a:shade val="50000"/>
+              </a:schemeClr>
+            </a:lnRef>
+            <a:fillRef idx="1">
+              <a:schemeClr val="accent1"/>
+            </a:fillRef>
+            <a:effectRef idx="0">
+              <a:schemeClr val="accent1"/>
+            </a:effectRef>
+            <a:fontRef idx="minor">
+              <a:schemeClr val="lt1"/>
+            </a:fontRef>
+          </p:style>
+          <p:txBody>
+            <a:bodyPr rtlCol="0" anchor="ctr"/>
+            <a:lstStyle/>
+            <a:p>
+              <a:pPr algn="ctr"/>
+              <a:endParaRPr lang="zh-CN" altLang="en-US"/>
+            </a:p>
+          </p:txBody>
+        </p:sp>
+      </p:grpSp>
+      <p:sp>
+        <p:nvSpPr>
+          <p:cNvPr id="19" name="矩形 18"/>
+          <p:cNvSpPr/>
+          <p:nvPr/>
+        </p:nvSpPr>
+        <p:spPr>
+          <a:xfrm>
+            <a:off x="8732582" y="5562978"/>
+            <a:ext cx="2577435" cy="463904"/>
+          </a:xfrm>
+          <a:prstGeom prst="rect">
+            <a:avLst/>
+          </a:prstGeom>
+          <a:solidFill>
+            <a:srgbClr val="AC6672"/>
+          </a:solidFill>
+          <a:ln>
+            <a:noFill/>
+          </a:ln>
+        </p:spPr>
+        <p:style>
+          <a:lnRef idx="2">
+            <a:schemeClr val="accent1">
+              <a:shade val="50000"/>
+            </a:schemeClr>
+          </a:lnRef>
+          <a:fillRef idx="1">
+            <a:schemeClr val="accent1"/>
+          </a:fillRef>
+          <a:effectRef idx="0">
+            <a:schemeClr val="accent1"/>
+          </a:effectRef>
+          <a:fontRef idx="minor">
+            <a:schemeClr val="lt1"/>
+          </a:fontRef>
+        </p:style>
+        <p:txBody>
+          <a:bodyPr rtlCol="0" anchor="ctr"/>
+          <a:lstStyle/>
+          <a:p>
+            <a:pPr algn="ctr" defTabSz="685800"/>
+            <a:endParaRPr lang="zh-CN" altLang="en-US" sz="1350">
+              <a:solidFill>
+                <a:prstClr val="white"/>
+              </a:solidFill>
+            </a:endParaRPr>
+          </a:p>
+        </p:txBody>
+      </p:sp>
+      <p:sp>
+        <p:nvSpPr>
+          <p:cNvPr id="20" name="文本框 19"/>
+          <p:cNvSpPr txBox="1"/>
+          <p:nvPr/>
+        </p:nvSpPr>
+        <p:spPr>
+          <a:xfrm>
+            <a:off x="8675363" y="4256047"/>
+            <a:ext cx="2691872" cy="1200329"/>
+          </a:xfrm>
+          <a:prstGeom prst="rect">
+            <a:avLst/>
+          </a:prstGeom>
+          <a:noFill/>
+        </p:spPr>
+        <p:txBody>
+          <a:bodyPr wrap="square" rtlCol="0">
+            <a:spAutoFit/>
+          </a:bodyPr>
+          <a:lstStyle/>
+          <a:p>
+            <a:pPr defTabSz="685800"/>
+            <a:r>
+              <a:rPr lang="zh-CN" altLang="en-US" sz="1200" dirty="0">
+                <a:latin typeface="微软雅黑" panose="020B0503020204020204" pitchFamily="34" charset="-122"/>
+                <a:ea typeface="微软雅黑" panose="020B0503020204020204" pitchFamily="34" charset="-122"/>
+              </a:rPr>
+              <a:t>标题数字等都可以通过点击和重新输入进行更改。标题数字等都可以通过点击和重新输入进行更改。标题数字等都可以通过点击和重新输入进行更改。标题数字等都可以通过点击和重新输入进行更改。</a:t>
+            </a:r>
+            <a:endParaRPr lang="en-US" altLang="zh-CN" sz="1200" dirty="0">
+              <a:latin typeface="微软雅黑" panose="020B0503020204020204" pitchFamily="34" charset="-122"/>
+              <a:ea typeface="微软雅黑" panose="020B0503020204020204" pitchFamily="34" charset="-122"/>
+            </a:endParaRPr>
+          </a:p>
+        </p:txBody>
+      </p:sp>
+      <p:sp>
+        <p:nvSpPr>
+          <p:cNvPr id="21" name="文本框 20"/>
+          <p:cNvSpPr txBox="1"/>
+          <p:nvPr/>
+        </p:nvSpPr>
+        <p:spPr>
+          <a:xfrm>
+            <a:off x="8729269" y="5562978"/>
+            <a:ext cx="2809347" cy="523220"/>
+          </a:xfrm>
+          <a:prstGeom prst="rect">
+            <a:avLst/>
+          </a:prstGeom>
+          <a:noFill/>
+          <a:ln>
+            <a:noFill/>
+          </a:ln>
+        </p:spPr>
+        <p:txBody>
+          <a:bodyPr wrap="square" rtlCol="0">
+            <a:spAutoFit/>
+          </a:bodyPr>
+          <a:lstStyle/>
+          <a:p>
+            <a:pPr defTabSz="685800"/>
+            <a:r>
+              <a:rPr lang="en-US" altLang="zh-CN" sz="2800" dirty="0">
+                <a:solidFill>
+                  <a:prstClr val="white"/>
+                </a:solidFill>
+              </a:rPr>
+              <a:t>ADD YOUR TITLE</a:t>
+            </a:r>
+            <a:endParaRPr lang="zh-CN" altLang="en-US" sz="2800" dirty="0">
+              <a:solidFill>
+                <a:prstClr val="white"/>
+              </a:solidFill>
+            </a:endParaRPr>
+          </a:p>
+        </p:txBody>
+      </p:sp>
+      <p:sp>
+        <p:nvSpPr>
+          <p:cNvPr id="22" name="Freeform 183"/>
+          <p:cNvSpPr>
+            <a:spLocks noEditPoints="1"/>
+          </p:cNvSpPr>
+          <p:nvPr/>
+        </p:nvSpPr>
+        <p:spPr bwMode="auto">
+          <a:xfrm>
+            <a:off x="9749933" y="1973506"/>
+            <a:ext cx="746125" cy="742950"/>
+          </a:xfrm>
+          <a:custGeom>
+            <a:avLst/>
+            <a:gdLst/>
+            <a:ahLst/>
+            <a:cxnLst>
+              <a:cxn ang="0">
+                <a:pos x="0" y="0"/>
+              </a:cxn>
+              <a:cxn ang="0">
+                <a:pos x="20" y="468"/>
+              </a:cxn>
+              <a:cxn ang="0">
+                <a:pos x="192" y="374"/>
+              </a:cxn>
+              <a:cxn ang="0">
+                <a:pos x="232" y="442"/>
+              </a:cxn>
+              <a:cxn ang="0">
+                <a:pos x="294" y="330"/>
+              </a:cxn>
+              <a:cxn ang="0">
+                <a:pos x="470" y="284"/>
+              </a:cxn>
+              <a:cxn ang="0">
+                <a:pos x="0" y="0"/>
+              </a:cxn>
+              <a:cxn ang="0">
+                <a:pos x="232" y="396"/>
+              </a:cxn>
+              <a:cxn ang="0">
+                <a:pos x="54" y="80"/>
+              </a:cxn>
+              <a:cxn ang="0">
+                <a:pos x="272" y="324"/>
+              </a:cxn>
+              <a:cxn ang="0">
+                <a:pos x="232" y="396"/>
+              </a:cxn>
+            </a:cxnLst>
+            <a:rect l="0" t="0" r="r" b="b"/>
+            <a:pathLst>
+              <a:path w="470" h="468">
+                <a:moveTo>
+                  <a:pt x="0" y="0"/>
+                </a:moveTo>
+                <a:lnTo>
+                  <a:pt x="20" y="468"/>
+                </a:lnTo>
+                <a:lnTo>
+                  <a:pt x="192" y="374"/>
+                </a:lnTo>
+                <a:lnTo>
+                  <a:pt x="232" y="442"/>
+                </a:lnTo>
+                <a:lnTo>
+                  <a:pt x="294" y="330"/>
+                </a:lnTo>
+                <a:lnTo>
+                  <a:pt x="470" y="284"/>
+                </a:lnTo>
+                <a:lnTo>
+                  <a:pt x="0" y="0"/>
+                </a:lnTo>
+                <a:close/>
+                <a:moveTo>
+                  <a:pt x="232" y="396"/>
+                </a:moveTo>
+                <a:lnTo>
+                  <a:pt x="54" y="80"/>
+                </a:lnTo>
+                <a:lnTo>
+                  <a:pt x="272" y="324"/>
+                </a:lnTo>
+                <a:lnTo>
+                  <a:pt x="232" y="396"/>
+                </a:lnTo>
+                <a:close/>
+              </a:path>
+            </a:pathLst>
+          </a:custGeom>
+          <a:solidFill>
+            <a:schemeClr val="bg1"/>
+          </a:solidFill>
+          <a:ln w="9525">
+            <a:noFill/>
+            <a:round/>
+            <a:headEnd/>
+            <a:tailEnd/>
+          </a:ln>
+        </p:spPr>
+        <p:txBody>
+          <a:bodyPr vert="horz" wrap="square" lIns="91440" tIns="45720" rIns="91440" bIns="45720" numCol="1" anchor="t" anchorCtr="0" compatLnSpc="1">
+            <a:prstTxWarp prst="textNoShape">
+              <a:avLst/>
+            </a:prstTxWarp>
+          </a:bodyPr>
+          <a:lstStyle/>
+          <a:p>
+            <a:endParaRPr lang="zh-CN" altLang="en-US"/>
+          </a:p>
+        </p:txBody>
+      </p:sp>
+      <p:sp>
+        <p:nvSpPr>
+          <p:cNvPr id="23" name="文本框 22"/>
+          <p:cNvSpPr txBox="1"/>
+          <p:nvPr/>
+        </p:nvSpPr>
+        <p:spPr>
+          <a:xfrm>
+            <a:off x="9348129" y="2574023"/>
+            <a:ext cx="1571625" cy="923330"/>
+          </a:xfrm>
+          <a:prstGeom prst="rect">
+            <a:avLst/>
+          </a:prstGeom>
+          <a:noFill/>
+        </p:spPr>
+        <p:txBody>
+          <a:bodyPr wrap="square" rtlCol="0">
+            <a:spAutoFit/>
+          </a:bodyPr>
+          <a:lstStyle/>
+          <a:p>
+            <a:r>
+              <a:rPr lang="en-US" altLang="zh-CN" sz="5400" dirty="0">
+                <a:solidFill>
+                  <a:schemeClr val="bg1"/>
+                </a:solidFill>
+              </a:rPr>
+              <a:t>31%</a:t>
+            </a:r>
+            <a:endParaRPr lang="zh-CN" altLang="en-US" sz="5400" dirty="0">
+              <a:solidFill>
+                <a:schemeClr val="bg1"/>
+              </a:solidFill>
+            </a:endParaRPr>
+          </a:p>
+        </p:txBody>
+      </p:sp>
+    </p:spTree>
+    <p:extLst>
+      <p:ext uri="{BB962C8B-B14F-4D97-AF65-F5344CB8AC3E}">
+        <p14:creationId xmlns:p14="http://schemas.microsoft.com/office/powerpoint/2010/main" val="2027460591"/>
       </p:ext>
     </p:extLst>
   </p:cSld>
